--- a/Scrapy/Tutorial_Images/startUrlsFundrazr.pptx
+++ b/Scrapy/Tutorial_Images/startUrlsFundrazr.pptx
@@ -2971,13 +2971,13 @@
       </p:grpSpPr>
       <p:grpSp>
         <p:nvGrpSpPr>
-          <p:cNvPr id="15" name="Group 14"/>
+          <p:cNvPr id="2" name="Group 1"/>
           <p:cNvGrpSpPr/>
           <p:nvPr/>
         </p:nvGrpSpPr>
         <p:grpSpPr>
           <a:xfrm>
-            <a:off x="1455234" y="1019851"/>
+            <a:off x="1276814" y="941792"/>
             <a:ext cx="9144000" cy="3063240"/>
             <a:chOff x="1455234" y="1019851"/>
             <a:chExt cx="9144000" cy="3063240"/>
@@ -3095,7 +3095,7 @@
               <a:noFill/>
               <a:ln w="25400">
                 <a:solidFill>
-                  <a:schemeClr val="tx1"/>
+                  <a:srgbClr val="0070C0"/>
                 </a:solidFill>
               </a:ln>
             </p:spPr>
@@ -3237,7 +3237,7 @@
               <a:noFill/>
               <a:ln w="25400">
                 <a:solidFill>
-                  <a:schemeClr val="tx1"/>
+                  <a:srgbClr val="0070C0"/>
                 </a:solidFill>
               </a:ln>
             </p:spPr>
@@ -3267,42 +3267,42 @@
             </p:txBody>
           </p:sp>
         </p:grpSp>
+        <p:cxnSp>
+          <p:nvCxnSpPr>
+            <p:cNvPr id="3" name="Straight Connector 2"/>
+            <p:cNvCxnSpPr/>
+            <p:nvPr/>
+          </p:nvCxnSpPr>
+          <p:spPr>
+            <a:xfrm>
+              <a:off x="6027234" y="1019851"/>
+              <a:ext cx="0" cy="3063240"/>
+            </a:xfrm>
+            <a:prstGeom prst="line">
+              <a:avLst/>
+            </a:prstGeom>
+            <a:ln w="22225">
+              <a:solidFill>
+                <a:schemeClr val="tx1"/>
+              </a:solidFill>
+            </a:ln>
+          </p:spPr>
+          <p:style>
+            <a:lnRef idx="1">
+              <a:schemeClr val="accent1"/>
+            </a:lnRef>
+            <a:fillRef idx="0">
+              <a:schemeClr val="accent1"/>
+            </a:fillRef>
+            <a:effectRef idx="0">
+              <a:schemeClr val="accent1"/>
+            </a:effectRef>
+            <a:fontRef idx="minor">
+              <a:schemeClr val="tx1"/>
+            </a:fontRef>
+          </p:style>
+        </p:cxnSp>
       </p:grpSp>
-      <p:cxnSp>
-        <p:nvCxnSpPr>
-          <p:cNvPr id="3" name="Straight Connector 2"/>
-          <p:cNvCxnSpPr/>
-          <p:nvPr/>
-        </p:nvCxnSpPr>
-        <p:spPr>
-          <a:xfrm>
-            <a:off x="6027234" y="1019851"/>
-            <a:ext cx="0" cy="3063240"/>
-          </a:xfrm>
-          <a:prstGeom prst="line">
-            <a:avLst/>
-          </a:prstGeom>
-          <a:ln w="22225">
-            <a:solidFill>
-              <a:schemeClr val="tx1"/>
-            </a:solidFill>
-          </a:ln>
-        </p:spPr>
-        <p:style>
-          <a:lnRef idx="1">
-            <a:schemeClr val="accent1"/>
-          </a:lnRef>
-          <a:fillRef idx="0">
-            <a:schemeClr val="accent1"/>
-          </a:fillRef>
-          <a:effectRef idx="0">
-            <a:schemeClr val="accent1"/>
-          </a:effectRef>
-          <a:fontRef idx="minor">
-            <a:schemeClr val="tx1"/>
-          </a:fontRef>
-        </p:style>
-      </p:cxnSp>
     </p:spTree>
     <p:extLst>
       <p:ext uri="{BB962C8B-B14F-4D97-AF65-F5344CB8AC3E}">

--- a/Scrapy/Tutorial_Images/startUrlsFundrazr.pptx
+++ b/Scrapy/Tutorial_Images/startUrlsFundrazr.pptx
@@ -6,6 +6,7 @@
   </p:sldMasterIdLst>
   <p:sldIdLst>
     <p:sldId id="256" r:id="rId2"/>
+    <p:sldId id="257" r:id="rId3"/>
   </p:sldIdLst>
   <p:sldSz cx="12192000" cy="6858000"/>
   <p:notesSz cx="6858000" cy="9144000"/>
@@ -243,7 +244,7 @@
           <a:p>
             <a:fld id="{77064131-FE4D-0244-A231-DBDE1F6356BC}" type="datetimeFigureOut">
               <a:rPr lang="en-US" smtClean="0"/>
-              <a:t>9/8/17</a:t>
+              <a:t>9/10/17</a:t>
             </a:fld>
             <a:endParaRPr lang="en-US"/>
           </a:p>
@@ -413,7 +414,7 @@
           <a:p>
             <a:fld id="{77064131-FE4D-0244-A231-DBDE1F6356BC}" type="datetimeFigureOut">
               <a:rPr lang="en-US" smtClean="0"/>
-              <a:t>9/8/17</a:t>
+              <a:t>9/10/17</a:t>
             </a:fld>
             <a:endParaRPr lang="en-US"/>
           </a:p>
@@ -593,7 +594,7 @@
           <a:p>
             <a:fld id="{77064131-FE4D-0244-A231-DBDE1F6356BC}" type="datetimeFigureOut">
               <a:rPr lang="en-US" smtClean="0"/>
-              <a:t>9/8/17</a:t>
+              <a:t>9/10/17</a:t>
             </a:fld>
             <a:endParaRPr lang="en-US"/>
           </a:p>
@@ -763,7 +764,7 @@
           <a:p>
             <a:fld id="{77064131-FE4D-0244-A231-DBDE1F6356BC}" type="datetimeFigureOut">
               <a:rPr lang="en-US" smtClean="0"/>
-              <a:t>9/8/17</a:t>
+              <a:t>9/10/17</a:t>
             </a:fld>
             <a:endParaRPr lang="en-US"/>
           </a:p>
@@ -1009,7 +1010,7 @@
           <a:p>
             <a:fld id="{77064131-FE4D-0244-A231-DBDE1F6356BC}" type="datetimeFigureOut">
               <a:rPr lang="en-US" smtClean="0"/>
-              <a:t>9/8/17</a:t>
+              <a:t>9/10/17</a:t>
             </a:fld>
             <a:endParaRPr lang="en-US"/>
           </a:p>
@@ -1241,7 +1242,7 @@
           <a:p>
             <a:fld id="{77064131-FE4D-0244-A231-DBDE1F6356BC}" type="datetimeFigureOut">
               <a:rPr lang="en-US" smtClean="0"/>
-              <a:t>9/8/17</a:t>
+              <a:t>9/10/17</a:t>
             </a:fld>
             <a:endParaRPr lang="en-US"/>
           </a:p>
@@ -1608,7 +1609,7 @@
           <a:p>
             <a:fld id="{77064131-FE4D-0244-A231-DBDE1F6356BC}" type="datetimeFigureOut">
               <a:rPr lang="en-US" smtClean="0"/>
-              <a:t>9/8/17</a:t>
+              <a:t>9/10/17</a:t>
             </a:fld>
             <a:endParaRPr lang="en-US"/>
           </a:p>
@@ -1726,7 +1727,7 @@
           <a:p>
             <a:fld id="{77064131-FE4D-0244-A231-DBDE1F6356BC}" type="datetimeFigureOut">
               <a:rPr lang="en-US" smtClean="0"/>
-              <a:t>9/8/17</a:t>
+              <a:t>9/10/17</a:t>
             </a:fld>
             <a:endParaRPr lang="en-US"/>
           </a:p>
@@ -1821,7 +1822,7 @@
           <a:p>
             <a:fld id="{77064131-FE4D-0244-A231-DBDE1F6356BC}" type="datetimeFigureOut">
               <a:rPr lang="en-US" smtClean="0"/>
-              <a:t>9/8/17</a:t>
+              <a:t>9/10/17</a:t>
             </a:fld>
             <a:endParaRPr lang="en-US"/>
           </a:p>
@@ -2098,7 +2099,7 @@
           <a:p>
             <a:fld id="{77064131-FE4D-0244-A231-DBDE1F6356BC}" type="datetimeFigureOut">
               <a:rPr lang="en-US" smtClean="0"/>
-              <a:t>9/8/17</a:t>
+              <a:t>9/10/17</a:t>
             </a:fld>
             <a:endParaRPr lang="en-US"/>
           </a:p>
@@ -2351,7 +2352,7 @@
           <a:p>
             <a:fld id="{77064131-FE4D-0244-A231-DBDE1F6356BC}" type="datetimeFigureOut">
               <a:rPr lang="en-US" smtClean="0"/>
-              <a:t>9/8/17</a:t>
+              <a:t>9/10/17</a:t>
             </a:fld>
             <a:endParaRPr lang="en-US"/>
           </a:p>
@@ -2564,7 +2565,7 @@
           <a:p>
             <a:fld id="{77064131-FE4D-0244-A231-DBDE1F6356BC}" type="datetimeFigureOut">
               <a:rPr lang="en-US" smtClean="0"/>
-              <a:t>9/8/17</a:t>
+              <a:t>9/10/17</a:t>
             </a:fld>
             <a:endParaRPr lang="en-US"/>
           </a:p>
@@ -3316,6 +3317,127 @@
 </p:sld>
 </file>
 
+<file path=ppt/slides/slide2.xml><?xml version="1.0" encoding="utf-8"?>
+<p:sld xmlns:a="http://schemas.openxmlformats.org/drawingml/2006/main" xmlns:r="http://schemas.openxmlformats.org/officeDocument/2006/relationships" xmlns:p="http://schemas.openxmlformats.org/presentationml/2006/main">
+  <p:cSld>
+    <p:spTree>
+      <p:nvGrpSpPr>
+        <p:cNvPr id="1" name=""/>
+        <p:cNvGrpSpPr/>
+        <p:nvPr/>
+      </p:nvGrpSpPr>
+      <p:grpSpPr>
+        <a:xfrm>
+          <a:off x="0" y="0"/>
+          <a:ext cx="0" cy="0"/>
+          <a:chOff x="0" y="0"/>
+          <a:chExt cx="0" cy="0"/>
+        </a:xfrm>
+      </p:grpSpPr>
+      <p:grpSp>
+        <p:nvGrpSpPr>
+          <p:cNvPr id="3" name="Group 2"/>
+          <p:cNvGrpSpPr/>
+          <p:nvPr/>
+        </p:nvGrpSpPr>
+        <p:grpSpPr>
+          <a:xfrm>
+            <a:off x="1761290" y="1285163"/>
+            <a:ext cx="8509000" cy="3175000"/>
+            <a:chOff x="1761290" y="1285163"/>
+            <a:chExt cx="8509000" cy="3175000"/>
+          </a:xfrm>
+        </p:grpSpPr>
+        <p:pic>
+          <p:nvPicPr>
+            <p:cNvPr id="2" name="Picture 1"/>
+            <p:cNvPicPr>
+              <a:picLocks noChangeAspect="1"/>
+            </p:cNvPicPr>
+            <p:nvPr/>
+          </p:nvPicPr>
+          <p:blipFill>
+            <a:blip r:embed="rId2">
+              <a:extLst>
+                <a:ext uri="{28A0092B-C50C-407E-A947-70E740481C1C}">
+                  <a14:useLocalDpi xmlns:a14="http://schemas.microsoft.com/office/drawing/2010/main" val="0"/>
+                </a:ext>
+              </a:extLst>
+            </a:blip>
+            <a:stretch>
+              <a:fillRect/>
+            </a:stretch>
+          </p:blipFill>
+          <p:spPr>
+            <a:xfrm>
+              <a:off x="1761290" y="1285163"/>
+              <a:ext cx="8509000" cy="3175000"/>
+            </a:xfrm>
+            <a:prstGeom prst="rect">
+              <a:avLst/>
+            </a:prstGeom>
+          </p:spPr>
+        </p:pic>
+        <p:sp>
+          <p:nvSpPr>
+            <p:cNvPr id="5" name="Rectangle 4"/>
+            <p:cNvSpPr/>
+            <p:nvPr/>
+          </p:nvSpPr>
+          <p:spPr>
+            <a:xfrm>
+              <a:off x="2909100" y="4122821"/>
+              <a:ext cx="7197426" cy="305258"/>
+            </a:xfrm>
+            <a:prstGeom prst="rect">
+              <a:avLst/>
+            </a:prstGeom>
+            <a:noFill/>
+            <a:ln w="38100">
+              <a:solidFill>
+                <a:srgbClr val="FF0000"/>
+              </a:solidFill>
+            </a:ln>
+          </p:spPr>
+          <p:style>
+            <a:lnRef idx="2">
+              <a:schemeClr val="accent1">
+                <a:shade val="50000"/>
+              </a:schemeClr>
+            </a:lnRef>
+            <a:fillRef idx="1">
+              <a:schemeClr val="accent1"/>
+            </a:fillRef>
+            <a:effectRef idx="0">
+              <a:schemeClr val="accent1"/>
+            </a:effectRef>
+            <a:fontRef idx="minor">
+              <a:schemeClr val="lt1"/>
+            </a:fontRef>
+          </p:style>
+          <p:txBody>
+            <a:bodyPr rtlCol="0" anchor="ctr"/>
+            <a:lstStyle/>
+            <a:p>
+              <a:pPr algn="ctr"/>
+              <a:endParaRPr lang="en-US"/>
+            </a:p>
+          </p:txBody>
+        </p:sp>
+      </p:grpSp>
+    </p:spTree>
+    <p:extLst>
+      <p:ext uri="{BB962C8B-B14F-4D97-AF65-F5344CB8AC3E}">
+        <p14:creationId xmlns:p14="http://schemas.microsoft.com/office/powerpoint/2010/main" val="778430850"/>
+      </p:ext>
+    </p:extLst>
+  </p:cSld>
+  <p:clrMapOvr>
+    <a:masterClrMapping/>
+  </p:clrMapOvr>
+</p:sld>
+</file>
+
 <file path=ppt/theme/theme1.xml><?xml version="1.0" encoding="utf-8"?>
 <a:theme xmlns:a="http://schemas.openxmlformats.org/drawingml/2006/main" name="Office Theme">
   <a:themeElements>

--- a/Scrapy/Tutorial_Images/startUrlsFundrazr.pptx
+++ b/Scrapy/Tutorial_Images/startUrlsFundrazr.pptx
@@ -3336,21 +3336,21 @@
       </p:grpSpPr>
       <p:grpSp>
         <p:nvGrpSpPr>
-          <p:cNvPr id="3" name="Group 2"/>
+          <p:cNvPr id="7" name="Group 6"/>
           <p:cNvGrpSpPr/>
           <p:nvPr/>
         </p:nvGrpSpPr>
         <p:grpSpPr>
           <a:xfrm>
-            <a:off x="1761290" y="1285163"/>
-            <a:ext cx="8509000" cy="3175000"/>
-            <a:chOff x="1761290" y="1285163"/>
-            <a:chExt cx="8509000" cy="3175000"/>
+            <a:off x="1399673" y="695158"/>
+            <a:ext cx="8674100" cy="3251200"/>
+            <a:chOff x="1399673" y="695158"/>
+            <a:chExt cx="8674100" cy="3251200"/>
           </a:xfrm>
         </p:grpSpPr>
         <p:pic>
           <p:nvPicPr>
-            <p:cNvPr id="2" name="Picture 1"/>
+            <p:cNvPr id="6" name="Picture 5"/>
             <p:cNvPicPr>
               <a:picLocks noChangeAspect="1"/>
             </p:cNvPicPr>
@@ -3370,8 +3370,8 @@
           </p:blipFill>
           <p:spPr>
             <a:xfrm>
-              <a:off x="1761290" y="1285163"/>
-              <a:ext cx="8509000" cy="3175000"/>
+              <a:off x="1399673" y="695158"/>
+              <a:ext cx="8674100" cy="3251200"/>
             </a:xfrm>
             <a:prstGeom prst="rect">
               <a:avLst/>
@@ -3386,8 +3386,8 @@
           </p:nvSpPr>
           <p:spPr>
             <a:xfrm>
-              <a:off x="2909100" y="4122821"/>
-              <a:ext cx="7197426" cy="305258"/>
+              <a:off x="2566737" y="3553096"/>
+              <a:ext cx="6801852" cy="280967"/>
             </a:xfrm>
             <a:prstGeom prst="rect">
               <a:avLst/>
